--- a/plots/annotations.pptx
+++ b/plots/annotations.pptx
@@ -261,7 +261,7 @@
           <a:p>
             <a:fld id="{AC60FCA8-C76D-4BFA-94B6-306151FF55CE}" type="datetimeFigureOut">
               <a:rPr lang="en-GB" smtClean="0"/>
-              <a:t>13/02/2024</a:t>
+              <a:t>29/03/2024</a:t>
             </a:fld>
             <a:endParaRPr lang="en-GB"/>
           </a:p>
@@ -461,7 +461,7 @@
           <a:p>
             <a:fld id="{AC60FCA8-C76D-4BFA-94B6-306151FF55CE}" type="datetimeFigureOut">
               <a:rPr lang="en-GB" smtClean="0"/>
-              <a:t>13/02/2024</a:t>
+              <a:t>29/03/2024</a:t>
             </a:fld>
             <a:endParaRPr lang="en-GB"/>
           </a:p>
@@ -671,7 +671,7 @@
           <a:p>
             <a:fld id="{AC60FCA8-C76D-4BFA-94B6-306151FF55CE}" type="datetimeFigureOut">
               <a:rPr lang="en-GB" smtClean="0"/>
-              <a:t>13/02/2024</a:t>
+              <a:t>29/03/2024</a:t>
             </a:fld>
             <a:endParaRPr lang="en-GB"/>
           </a:p>
@@ -871,7 +871,7 @@
           <a:p>
             <a:fld id="{AC60FCA8-C76D-4BFA-94B6-306151FF55CE}" type="datetimeFigureOut">
               <a:rPr lang="en-GB" smtClean="0"/>
-              <a:t>13/02/2024</a:t>
+              <a:t>29/03/2024</a:t>
             </a:fld>
             <a:endParaRPr lang="en-GB"/>
           </a:p>
@@ -1147,7 +1147,7 @@
           <a:p>
             <a:fld id="{AC60FCA8-C76D-4BFA-94B6-306151FF55CE}" type="datetimeFigureOut">
               <a:rPr lang="en-GB" smtClean="0"/>
-              <a:t>13/02/2024</a:t>
+              <a:t>29/03/2024</a:t>
             </a:fld>
             <a:endParaRPr lang="en-GB"/>
           </a:p>
@@ -1415,7 +1415,7 @@
           <a:p>
             <a:fld id="{AC60FCA8-C76D-4BFA-94B6-306151FF55CE}" type="datetimeFigureOut">
               <a:rPr lang="en-GB" smtClean="0"/>
-              <a:t>13/02/2024</a:t>
+              <a:t>29/03/2024</a:t>
             </a:fld>
             <a:endParaRPr lang="en-GB"/>
           </a:p>
@@ -1830,7 +1830,7 @@
           <a:p>
             <a:fld id="{AC60FCA8-C76D-4BFA-94B6-306151FF55CE}" type="datetimeFigureOut">
               <a:rPr lang="en-GB" smtClean="0"/>
-              <a:t>13/02/2024</a:t>
+              <a:t>29/03/2024</a:t>
             </a:fld>
             <a:endParaRPr lang="en-GB"/>
           </a:p>
@@ -1972,7 +1972,7 @@
           <a:p>
             <a:fld id="{AC60FCA8-C76D-4BFA-94B6-306151FF55CE}" type="datetimeFigureOut">
               <a:rPr lang="en-GB" smtClean="0"/>
-              <a:t>13/02/2024</a:t>
+              <a:t>29/03/2024</a:t>
             </a:fld>
             <a:endParaRPr lang="en-GB"/>
           </a:p>
@@ -2085,7 +2085,7 @@
           <a:p>
             <a:fld id="{AC60FCA8-C76D-4BFA-94B6-306151FF55CE}" type="datetimeFigureOut">
               <a:rPr lang="en-GB" smtClean="0"/>
-              <a:t>13/02/2024</a:t>
+              <a:t>29/03/2024</a:t>
             </a:fld>
             <a:endParaRPr lang="en-GB"/>
           </a:p>
@@ -2398,7 +2398,7 @@
           <a:p>
             <a:fld id="{AC60FCA8-C76D-4BFA-94B6-306151FF55CE}" type="datetimeFigureOut">
               <a:rPr lang="en-GB" smtClean="0"/>
-              <a:t>13/02/2024</a:t>
+              <a:t>29/03/2024</a:t>
             </a:fld>
             <a:endParaRPr lang="en-GB"/>
           </a:p>
@@ -2687,7 +2687,7 @@
           <a:p>
             <a:fld id="{AC60FCA8-C76D-4BFA-94B6-306151FF55CE}" type="datetimeFigureOut">
               <a:rPr lang="en-GB" smtClean="0"/>
-              <a:t>13/02/2024</a:t>
+              <a:t>29/03/2024</a:t>
             </a:fld>
             <a:endParaRPr lang="en-GB"/>
           </a:p>
@@ -2930,7 +2930,7 @@
           <a:p>
             <a:fld id="{AC60FCA8-C76D-4BFA-94B6-306151FF55CE}" type="datetimeFigureOut">
               <a:rPr lang="en-GB" smtClean="0"/>
-              <a:t>13/02/2024</a:t>
+              <a:t>29/03/2024</a:t>
             </a:fld>
             <a:endParaRPr lang="en-GB"/>
           </a:p>
@@ -3355,10 +3355,10 @@
       </p:grpSpPr>
       <p:grpSp>
         <p:nvGrpSpPr>
-          <p:cNvPr id="6" name="Group 5">
-            <a:extLst>
-              <a:ext uri="{FF2B5EF4-FFF2-40B4-BE49-F238E27FC236}">
-                <a16:creationId xmlns:a16="http://schemas.microsoft.com/office/drawing/2014/main" id="{A83F98DB-526B-EE7C-516B-724A1C675AAA}"/>
+          <p:cNvPr id="47" name="Group 46">
+            <a:extLst>
+              <a:ext uri="{FF2B5EF4-FFF2-40B4-BE49-F238E27FC236}">
+                <a16:creationId xmlns:a16="http://schemas.microsoft.com/office/drawing/2014/main" id="{73E893B9-DBA0-CA8C-9E2C-837AE54B60BE}"/>
               </a:ext>
             </a:extLst>
           </p:cNvPr>
@@ -3367,927 +3367,107 @@
         </p:nvGrpSpPr>
         <p:grpSpPr>
           <a:xfrm>
-            <a:off x="1809134" y="722673"/>
-            <a:ext cx="8377085" cy="5530644"/>
-            <a:chOff x="1809134" y="722673"/>
-            <a:chExt cx="8377085" cy="5530644"/>
+            <a:off x="2999232" y="905256"/>
+            <a:ext cx="7187184" cy="5193792"/>
+            <a:chOff x="2999232" y="905256"/>
+            <a:chExt cx="7187184" cy="5193792"/>
           </a:xfrm>
         </p:grpSpPr>
-        <p:grpSp>
-          <p:nvGrpSpPr>
-            <p:cNvPr id="24" name="Group 23">
+        <p:sp>
+          <p:nvSpPr>
+            <p:cNvPr id="46" name="Rectangle 45">
               <a:extLst>
                 <a:ext uri="{FF2B5EF4-FFF2-40B4-BE49-F238E27FC236}">
-                  <a16:creationId xmlns:a16="http://schemas.microsoft.com/office/drawing/2014/main" id="{FF7B5B47-E1A0-BCE2-738E-D61EE79C4141}"/>
+                  <a16:creationId xmlns:a16="http://schemas.microsoft.com/office/drawing/2014/main" id="{4B7A4782-A47C-0795-AC95-ED07183CEE1B}"/>
                 </a:ext>
               </a:extLst>
             </p:cNvPr>
-            <p:cNvGrpSpPr/>
+            <p:cNvSpPr/>
             <p:nvPr/>
-          </p:nvGrpSpPr>
-          <p:grpSpPr>
+          </p:nvSpPr>
+          <p:spPr>
             <a:xfrm>
-              <a:off x="1809134" y="722673"/>
-              <a:ext cx="8377085" cy="5530644"/>
-              <a:chOff x="1809134" y="722673"/>
-              <a:chExt cx="8377085" cy="5530644"/>
+              <a:off x="2999232" y="905256"/>
+              <a:ext cx="7187184" cy="5193792"/>
             </a:xfrm>
-          </p:grpSpPr>
-          <p:sp>
-            <p:nvSpPr>
-              <p:cNvPr id="22" name="Rectangle 21">
-                <a:extLst>
-                  <a:ext uri="{FF2B5EF4-FFF2-40B4-BE49-F238E27FC236}">
-                    <a16:creationId xmlns:a16="http://schemas.microsoft.com/office/drawing/2014/main" id="{094FD7C0-6770-FA4B-B5D8-76B3B569147D}"/>
-                  </a:ext>
-                </a:extLst>
-              </p:cNvPr>
-              <p:cNvSpPr/>
-              <p:nvPr/>
-            </p:nvSpPr>
-            <p:spPr>
-              <a:xfrm>
-                <a:off x="1809134" y="722673"/>
-                <a:ext cx="8377085" cy="5530644"/>
-              </a:xfrm>
-              <a:prstGeom prst="rect">
-                <a:avLst/>
-              </a:prstGeom>
+            <a:prstGeom prst="rect">
+              <a:avLst/>
+            </a:prstGeom>
+            <a:solidFill>
+              <a:schemeClr val="bg1"/>
+            </a:solidFill>
+            <a:ln>
               <a:solidFill>
                 <a:schemeClr val="bg1"/>
               </a:solidFill>
-              <a:ln>
-                <a:solidFill>
-                  <a:schemeClr val="bg1"/>
-                </a:solidFill>
-              </a:ln>
-            </p:spPr>
-            <p:style>
-              <a:lnRef idx="2">
-                <a:schemeClr val="accent1">
-                  <a:shade val="15000"/>
-                </a:schemeClr>
-              </a:lnRef>
-              <a:fillRef idx="1">
-                <a:schemeClr val="accent1"/>
-              </a:fillRef>
-              <a:effectRef idx="0">
-                <a:schemeClr val="accent1"/>
-              </a:effectRef>
-              <a:fontRef idx="minor">
-                <a:schemeClr val="lt1"/>
-              </a:fontRef>
-            </p:style>
-            <p:txBody>
-              <a:bodyPr rtlCol="0" anchor="ctr"/>
-              <a:lstStyle/>
-              <a:p>
-                <a:pPr algn="ctr"/>
-                <a:endParaRPr lang="en-US" dirty="0"/>
-              </a:p>
-            </p:txBody>
-          </p:sp>
-          <p:pic>
-            <p:nvPicPr>
-              <p:cNvPr id="3" name="Picture 2" descr="A diagram of a graph&#10;&#10;Description automatically generated with medium confidence">
-                <a:extLst>
-                  <a:ext uri="{FF2B5EF4-FFF2-40B4-BE49-F238E27FC236}">
-                    <a16:creationId xmlns:a16="http://schemas.microsoft.com/office/drawing/2014/main" id="{59C0EA6D-FA9C-8E16-B885-DE8A5E6227A3}"/>
-                  </a:ext>
-                </a:extLst>
-              </p:cNvPr>
-              <p:cNvPicPr>
-                <a:picLocks noChangeAspect="1"/>
-              </p:cNvPicPr>
-              <p:nvPr/>
-            </p:nvPicPr>
-            <p:blipFill rotWithShape="1">
-              <a:blip r:embed="rId2">
-                <a:alphaModFix/>
-                <a:extLst>
-                  <a:ext uri="{28A0092B-C50C-407E-A947-70E740481C1C}">
-                    <a14:useLocalDpi xmlns:a14="http://schemas.microsoft.com/office/drawing/2010/main" val="0"/>
-                  </a:ext>
-                </a:extLst>
-              </a:blip>
-              <a:srcRect l="11308" t="16667" r="6243" b="14787"/>
-              <a:stretch/>
-            </p:blipFill>
-            <p:spPr>
-              <a:xfrm>
-                <a:off x="2005781" y="1052052"/>
-                <a:ext cx="7374194" cy="4925961"/>
-              </a:xfrm>
-              <a:prstGeom prst="rect">
-                <a:avLst/>
-              </a:prstGeom>
-            </p:spPr>
-          </p:pic>
-          <p:cxnSp>
-            <p:nvCxnSpPr>
-              <p:cNvPr id="13" name="Straight Connector 12">
-                <a:extLst>
-                  <a:ext uri="{FF2B5EF4-FFF2-40B4-BE49-F238E27FC236}">
-                    <a16:creationId xmlns:a16="http://schemas.microsoft.com/office/drawing/2014/main" id="{7002D92B-9240-13E8-2652-CFA4DE846797}"/>
-                  </a:ext>
-                </a:extLst>
-              </p:cNvPr>
-              <p:cNvCxnSpPr/>
-              <p:nvPr/>
-            </p:nvCxnSpPr>
-            <p:spPr>
-              <a:xfrm>
-                <a:off x="9123294" y="1319916"/>
-                <a:ext cx="0" cy="150125"/>
-              </a:xfrm>
-              <a:prstGeom prst="line">
-                <a:avLst/>
-              </a:prstGeom>
-              <a:ln w="76200">
-                <a:solidFill>
-                  <a:schemeClr val="bg1">
-                    <a:lumMod val="50000"/>
-                  </a:schemeClr>
-                </a:solidFill>
-              </a:ln>
-            </p:spPr>
-            <p:style>
-              <a:lnRef idx="1">
-                <a:schemeClr val="accent1"/>
-              </a:lnRef>
-              <a:fillRef idx="0">
-                <a:schemeClr val="accent1"/>
-              </a:fillRef>
-              <a:effectRef idx="0">
-                <a:schemeClr val="accent1"/>
-              </a:effectRef>
-              <a:fontRef idx="minor">
-                <a:schemeClr val="tx1"/>
-              </a:fontRef>
-            </p:style>
-          </p:cxnSp>
-          <p:cxnSp>
-            <p:nvCxnSpPr>
-              <p:cNvPr id="14" name="Straight Connector 13">
-                <a:extLst>
-                  <a:ext uri="{FF2B5EF4-FFF2-40B4-BE49-F238E27FC236}">
-                    <a16:creationId xmlns:a16="http://schemas.microsoft.com/office/drawing/2014/main" id="{AEF9EE10-2010-42AC-D291-EF1BB8586092}"/>
-                  </a:ext>
-                </a:extLst>
-              </p:cNvPr>
-              <p:cNvCxnSpPr>
-                <a:cxnSpLocks/>
-              </p:cNvCxnSpPr>
-              <p:nvPr/>
-            </p:nvCxnSpPr>
-            <p:spPr>
-              <a:xfrm flipH="1">
-                <a:off x="9122656" y="1470041"/>
-                <a:ext cx="638" cy="100083"/>
-              </a:xfrm>
-              <a:prstGeom prst="line">
-                <a:avLst/>
-              </a:prstGeom>
-              <a:ln w="76200">
-                <a:solidFill>
-                  <a:schemeClr val="bg1">
-                    <a:lumMod val="75000"/>
-                  </a:schemeClr>
-                </a:solidFill>
-              </a:ln>
-            </p:spPr>
-            <p:style>
-              <a:lnRef idx="1">
-                <a:schemeClr val="accent1"/>
-              </a:lnRef>
-              <a:fillRef idx="0">
-                <a:schemeClr val="accent1"/>
-              </a:fillRef>
-              <a:effectRef idx="0">
-                <a:schemeClr val="accent1"/>
-              </a:effectRef>
-              <a:fontRef idx="minor">
-                <a:schemeClr val="tx1"/>
-              </a:fontRef>
-            </p:style>
-          </p:cxnSp>
-          <p:cxnSp>
-            <p:nvCxnSpPr>
-              <p:cNvPr id="16" name="Straight Connector 15">
-                <a:extLst>
-                  <a:ext uri="{FF2B5EF4-FFF2-40B4-BE49-F238E27FC236}">
-                    <a16:creationId xmlns:a16="http://schemas.microsoft.com/office/drawing/2014/main" id="{C5E1E39B-8E39-CA0F-86D8-70B02D672165}"/>
-                  </a:ext>
-                </a:extLst>
-              </p:cNvPr>
-              <p:cNvCxnSpPr>
-                <a:cxnSpLocks/>
-              </p:cNvCxnSpPr>
-              <p:nvPr/>
-            </p:nvCxnSpPr>
-            <p:spPr>
-              <a:xfrm>
-                <a:off x="9122656" y="1570124"/>
-                <a:ext cx="0" cy="344733"/>
-              </a:xfrm>
-              <a:prstGeom prst="line">
-                <a:avLst/>
-              </a:prstGeom>
-              <a:ln w="76200">
-                <a:solidFill>
-                  <a:schemeClr val="bg1">
-                    <a:lumMod val="50000"/>
-                  </a:schemeClr>
-                </a:solidFill>
-              </a:ln>
-            </p:spPr>
-            <p:style>
-              <a:lnRef idx="1">
-                <a:schemeClr val="accent1"/>
-              </a:lnRef>
-              <a:fillRef idx="0">
-                <a:schemeClr val="accent1"/>
-              </a:fillRef>
-              <a:effectRef idx="0">
-                <a:schemeClr val="accent1"/>
-              </a:effectRef>
-              <a:fontRef idx="minor">
-                <a:schemeClr val="tx1"/>
-              </a:fontRef>
-            </p:style>
-          </p:cxnSp>
-          <p:cxnSp>
-            <p:nvCxnSpPr>
-              <p:cNvPr id="19" name="Straight Connector 18">
-                <a:extLst>
-                  <a:ext uri="{FF2B5EF4-FFF2-40B4-BE49-F238E27FC236}">
-                    <a16:creationId xmlns:a16="http://schemas.microsoft.com/office/drawing/2014/main" id="{0755380D-B45A-E9DA-29DF-404B8C3E9E51}"/>
-                  </a:ext>
-                </a:extLst>
-              </p:cNvPr>
-              <p:cNvCxnSpPr>
-                <a:cxnSpLocks/>
-              </p:cNvCxnSpPr>
-              <p:nvPr/>
-            </p:nvCxnSpPr>
-            <p:spPr>
-              <a:xfrm>
-                <a:off x="9122656" y="1914857"/>
-                <a:ext cx="0" cy="311626"/>
-              </a:xfrm>
-              <a:prstGeom prst="line">
-                <a:avLst/>
-              </a:prstGeom>
-              <a:ln w="76200">
-                <a:solidFill>
-                  <a:schemeClr val="bg1">
-                    <a:lumMod val="75000"/>
-                  </a:schemeClr>
-                </a:solidFill>
-              </a:ln>
-            </p:spPr>
-            <p:style>
-              <a:lnRef idx="1">
-                <a:schemeClr val="accent1"/>
-              </a:lnRef>
-              <a:fillRef idx="0">
-                <a:schemeClr val="accent1"/>
-              </a:fillRef>
-              <a:effectRef idx="0">
-                <a:schemeClr val="accent1"/>
-              </a:effectRef>
-              <a:fontRef idx="minor">
-                <a:schemeClr val="tx1"/>
-              </a:fontRef>
-            </p:style>
-          </p:cxnSp>
-          <p:cxnSp>
-            <p:nvCxnSpPr>
-              <p:cNvPr id="21" name="Straight Connector 20">
-                <a:extLst>
-                  <a:ext uri="{FF2B5EF4-FFF2-40B4-BE49-F238E27FC236}">
-                    <a16:creationId xmlns:a16="http://schemas.microsoft.com/office/drawing/2014/main" id="{89BF2ECF-574C-B52F-0CD8-C767FAA6F02D}"/>
-                  </a:ext>
-                </a:extLst>
-              </p:cNvPr>
-              <p:cNvCxnSpPr>
-                <a:cxnSpLocks/>
-              </p:cNvCxnSpPr>
-              <p:nvPr/>
-            </p:nvCxnSpPr>
-            <p:spPr>
-              <a:xfrm>
-                <a:off x="9126230" y="2226483"/>
-                <a:ext cx="0" cy="389338"/>
-              </a:xfrm>
-              <a:prstGeom prst="line">
-                <a:avLst/>
-              </a:prstGeom>
-              <a:ln w="76200">
-                <a:solidFill>
-                  <a:schemeClr val="bg1">
-                    <a:lumMod val="50000"/>
-                  </a:schemeClr>
-                </a:solidFill>
-              </a:ln>
-            </p:spPr>
-            <p:style>
-              <a:lnRef idx="1">
-                <a:schemeClr val="accent1"/>
-              </a:lnRef>
-              <a:fillRef idx="0">
-                <a:schemeClr val="accent1"/>
-              </a:fillRef>
-              <a:effectRef idx="0">
-                <a:schemeClr val="accent1"/>
-              </a:effectRef>
-              <a:fontRef idx="minor">
-                <a:schemeClr val="tx1"/>
-              </a:fontRef>
-            </p:style>
-          </p:cxnSp>
-          <p:cxnSp>
-            <p:nvCxnSpPr>
-              <p:cNvPr id="23" name="Straight Connector 22">
-                <a:extLst>
-                  <a:ext uri="{FF2B5EF4-FFF2-40B4-BE49-F238E27FC236}">
-                    <a16:creationId xmlns:a16="http://schemas.microsoft.com/office/drawing/2014/main" id="{FEC6638F-0C58-448E-FFDA-5F98DA83CE88}"/>
-                  </a:ext>
-                </a:extLst>
-              </p:cNvPr>
-              <p:cNvCxnSpPr>
-                <a:cxnSpLocks/>
-              </p:cNvCxnSpPr>
-              <p:nvPr/>
-            </p:nvCxnSpPr>
-            <p:spPr>
-              <a:xfrm>
-                <a:off x="9123533" y="2603122"/>
-                <a:ext cx="0" cy="100083"/>
-              </a:xfrm>
-              <a:prstGeom prst="line">
-                <a:avLst/>
-              </a:prstGeom>
-              <a:ln w="76200">
-                <a:solidFill>
-                  <a:schemeClr val="bg1">
-                    <a:lumMod val="75000"/>
-                  </a:schemeClr>
-                </a:solidFill>
-              </a:ln>
-            </p:spPr>
-            <p:style>
-              <a:lnRef idx="1">
-                <a:schemeClr val="accent1"/>
-              </a:lnRef>
-              <a:fillRef idx="0">
-                <a:schemeClr val="accent1"/>
-              </a:fillRef>
-              <a:effectRef idx="0">
-                <a:schemeClr val="accent1"/>
-              </a:effectRef>
-              <a:fontRef idx="minor">
-                <a:schemeClr val="tx1"/>
-              </a:fontRef>
-            </p:style>
-          </p:cxnSp>
-          <p:cxnSp>
-            <p:nvCxnSpPr>
-              <p:cNvPr id="25" name="Straight Connector 24">
-                <a:extLst>
-                  <a:ext uri="{FF2B5EF4-FFF2-40B4-BE49-F238E27FC236}">
-                    <a16:creationId xmlns:a16="http://schemas.microsoft.com/office/drawing/2014/main" id="{483861B9-162C-A955-E8A8-548658EEE737}"/>
-                  </a:ext>
-                </a:extLst>
-              </p:cNvPr>
-              <p:cNvCxnSpPr>
-                <a:cxnSpLocks/>
-              </p:cNvCxnSpPr>
-              <p:nvPr/>
-            </p:nvCxnSpPr>
-            <p:spPr>
-              <a:xfrm>
-                <a:off x="9122656" y="2703205"/>
-                <a:ext cx="877" cy="1563995"/>
-              </a:xfrm>
-              <a:prstGeom prst="line">
-                <a:avLst/>
-              </a:prstGeom>
-              <a:ln w="76200">
-                <a:solidFill>
-                  <a:schemeClr val="bg1">
-                    <a:lumMod val="50000"/>
-                  </a:schemeClr>
-                </a:solidFill>
-              </a:ln>
-            </p:spPr>
-            <p:style>
-              <a:lnRef idx="1">
-                <a:schemeClr val="accent1"/>
-              </a:lnRef>
-              <a:fillRef idx="0">
-                <a:schemeClr val="accent1"/>
-              </a:fillRef>
-              <a:effectRef idx="0">
-                <a:schemeClr val="accent1"/>
-              </a:effectRef>
-              <a:fontRef idx="minor">
-                <a:schemeClr val="tx1"/>
-              </a:fontRef>
-            </p:style>
-          </p:cxnSp>
-          <p:cxnSp>
-            <p:nvCxnSpPr>
-              <p:cNvPr id="27" name="Straight Connector 26">
-                <a:extLst>
-                  <a:ext uri="{FF2B5EF4-FFF2-40B4-BE49-F238E27FC236}">
-                    <a16:creationId xmlns:a16="http://schemas.microsoft.com/office/drawing/2014/main" id="{A69C109B-F652-CA6D-A36D-4DC85E927E8F}"/>
-                  </a:ext>
-                </a:extLst>
-              </p:cNvPr>
-              <p:cNvCxnSpPr>
-                <a:cxnSpLocks/>
-              </p:cNvCxnSpPr>
-              <p:nvPr/>
-            </p:nvCxnSpPr>
-            <p:spPr>
-              <a:xfrm>
-                <a:off x="9123533" y="4267200"/>
-                <a:ext cx="0" cy="272955"/>
-              </a:xfrm>
-              <a:prstGeom prst="line">
-                <a:avLst/>
-              </a:prstGeom>
-              <a:ln w="76200">
-                <a:solidFill>
-                  <a:schemeClr val="bg1">
-                    <a:lumMod val="75000"/>
-                  </a:schemeClr>
-                </a:solidFill>
-              </a:ln>
-            </p:spPr>
-            <p:style>
-              <a:lnRef idx="1">
-                <a:schemeClr val="accent1"/>
-              </a:lnRef>
-              <a:fillRef idx="0">
-                <a:schemeClr val="accent1"/>
-              </a:fillRef>
-              <a:effectRef idx="0">
-                <a:schemeClr val="accent1"/>
-              </a:effectRef>
-              <a:fontRef idx="minor">
-                <a:schemeClr val="tx1"/>
-              </a:fontRef>
-            </p:style>
-          </p:cxnSp>
-          <p:cxnSp>
-            <p:nvCxnSpPr>
-              <p:cNvPr id="29" name="Straight Connector 28">
-                <a:extLst>
-                  <a:ext uri="{FF2B5EF4-FFF2-40B4-BE49-F238E27FC236}">
-                    <a16:creationId xmlns:a16="http://schemas.microsoft.com/office/drawing/2014/main" id="{36F9C03D-F2A1-2BB1-4A48-00FE1F7A0AE0}"/>
-                  </a:ext>
-                </a:extLst>
-              </p:cNvPr>
-              <p:cNvCxnSpPr>
-                <a:cxnSpLocks/>
-              </p:cNvCxnSpPr>
-              <p:nvPr/>
-            </p:nvCxnSpPr>
-            <p:spPr>
-              <a:xfrm>
-                <a:off x="9123533" y="4540155"/>
-                <a:ext cx="0" cy="332096"/>
-              </a:xfrm>
-              <a:prstGeom prst="line">
-                <a:avLst/>
-              </a:prstGeom>
-              <a:ln w="76200">
-                <a:solidFill>
-                  <a:schemeClr val="bg1">
-                    <a:lumMod val="50000"/>
-                  </a:schemeClr>
-                </a:solidFill>
-              </a:ln>
-            </p:spPr>
-            <p:style>
-              <a:lnRef idx="1">
-                <a:schemeClr val="accent1"/>
-              </a:lnRef>
-              <a:fillRef idx="0">
-                <a:schemeClr val="accent1"/>
-              </a:fillRef>
-              <a:effectRef idx="0">
-                <a:schemeClr val="accent1"/>
-              </a:effectRef>
-              <a:fontRef idx="minor">
-                <a:schemeClr val="tx1"/>
-              </a:fontRef>
-            </p:style>
-          </p:cxnSp>
-          <p:cxnSp>
-            <p:nvCxnSpPr>
-              <p:cNvPr id="31" name="Straight Connector 30">
-                <a:extLst>
-                  <a:ext uri="{FF2B5EF4-FFF2-40B4-BE49-F238E27FC236}">
-                    <a16:creationId xmlns:a16="http://schemas.microsoft.com/office/drawing/2014/main" id="{F6F07137-081E-D5D8-F30D-AB3A5DFD550A}"/>
-                  </a:ext>
-                </a:extLst>
-              </p:cNvPr>
-              <p:cNvCxnSpPr>
-                <a:cxnSpLocks/>
-              </p:cNvCxnSpPr>
-              <p:nvPr/>
-            </p:nvCxnSpPr>
-            <p:spPr>
-              <a:xfrm>
-                <a:off x="9123533" y="4872251"/>
-                <a:ext cx="0" cy="473122"/>
-              </a:xfrm>
-              <a:prstGeom prst="line">
-                <a:avLst/>
-              </a:prstGeom>
-              <a:ln w="76200">
-                <a:solidFill>
-                  <a:schemeClr val="bg1">
-                    <a:lumMod val="75000"/>
-                  </a:schemeClr>
-                </a:solidFill>
-              </a:ln>
-            </p:spPr>
-            <p:style>
-              <a:lnRef idx="1">
-                <a:schemeClr val="accent1"/>
-              </a:lnRef>
-              <a:fillRef idx="0">
-                <a:schemeClr val="accent1"/>
-              </a:fillRef>
-              <a:effectRef idx="0">
-                <a:schemeClr val="accent1"/>
-              </a:effectRef>
-              <a:fontRef idx="minor">
-                <a:schemeClr val="tx1"/>
-              </a:fontRef>
-            </p:style>
-          </p:cxnSp>
-          <p:sp>
-            <p:nvSpPr>
-              <p:cNvPr id="35" name="TextBox 34">
-                <a:extLst>
-                  <a:ext uri="{FF2B5EF4-FFF2-40B4-BE49-F238E27FC236}">
-                    <a16:creationId xmlns:a16="http://schemas.microsoft.com/office/drawing/2014/main" id="{78B37379-D16A-A4D0-E14F-47E4D0C0257E}"/>
-                  </a:ext>
-                </a:extLst>
-              </p:cNvPr>
-              <p:cNvSpPr txBox="1"/>
-              <p:nvPr/>
-            </p:nvSpPr>
-            <p:spPr>
-              <a:xfrm>
-                <a:off x="9163679" y="1288028"/>
-                <a:ext cx="474810" cy="230832"/>
-              </a:xfrm>
-              <a:prstGeom prst="rect">
-                <a:avLst/>
-              </a:prstGeom>
-              <a:noFill/>
-            </p:spPr>
-            <p:txBody>
-              <a:bodyPr wrap="none" rtlCol="0">
-                <a:spAutoFit/>
-              </a:bodyPr>
-              <a:lstStyle/>
-              <a:p>
-                <a:r>
-                  <a:rPr lang="en-GB" sz="900" dirty="0"/>
-                  <a:t>Bat LC</a:t>
-                </a:r>
-              </a:p>
-            </p:txBody>
-          </p:sp>
-          <p:sp>
-            <p:nvSpPr>
-              <p:cNvPr id="36" name="TextBox 35">
-                <a:extLst>
-                  <a:ext uri="{FF2B5EF4-FFF2-40B4-BE49-F238E27FC236}">
-                    <a16:creationId xmlns:a16="http://schemas.microsoft.com/office/drawing/2014/main" id="{F80D1DDD-CD58-1BE8-8631-EC62D70D27E7}"/>
-                  </a:ext>
-                </a:extLst>
-              </p:cNvPr>
-              <p:cNvSpPr txBox="1"/>
-              <p:nvPr/>
-            </p:nvSpPr>
-            <p:spPr>
-              <a:xfrm>
-                <a:off x="9162683" y="1421094"/>
-                <a:ext cx="774571" cy="230832"/>
-              </a:xfrm>
-              <a:prstGeom prst="rect">
-                <a:avLst/>
-              </a:prstGeom>
-              <a:noFill/>
-            </p:spPr>
-            <p:txBody>
-              <a:bodyPr wrap="none" rtlCol="0">
-                <a:spAutoFit/>
-              </a:bodyPr>
-              <a:lstStyle/>
-              <a:p>
-                <a:r>
-                  <a:rPr lang="en-GB" sz="900" dirty="0"/>
-                  <a:t>RAC-SK SCSK</a:t>
-                </a:r>
-              </a:p>
-            </p:txBody>
-          </p:sp>
-          <p:sp>
-            <p:nvSpPr>
-              <p:cNvPr id="37" name="TextBox 36">
-                <a:extLst>
-                  <a:ext uri="{FF2B5EF4-FFF2-40B4-BE49-F238E27FC236}">
-                    <a16:creationId xmlns:a16="http://schemas.microsoft.com/office/drawing/2014/main" id="{D13AF750-922E-DB21-7DE2-A5E8CEE5D4D1}"/>
-                  </a:ext>
-                </a:extLst>
-              </p:cNvPr>
-              <p:cNvSpPr txBox="1"/>
-              <p:nvPr/>
-            </p:nvSpPr>
-            <p:spPr>
-              <a:xfrm>
-                <a:off x="9163620" y="1645146"/>
-                <a:ext cx="623889" cy="230832"/>
-              </a:xfrm>
-              <a:prstGeom prst="rect">
-                <a:avLst/>
-              </a:prstGeom>
-              <a:noFill/>
-            </p:spPr>
-            <p:txBody>
-              <a:bodyPr wrap="none" rtlCol="0">
-                <a:spAutoFit/>
-              </a:bodyPr>
-              <a:lstStyle/>
-              <a:p>
-                <a:r>
-                  <a:rPr lang="en-GB" sz="900" dirty="0"/>
-                  <a:t>Bat EF-E2</a:t>
-                </a:r>
-              </a:p>
-            </p:txBody>
-          </p:sp>
-          <p:sp>
-            <p:nvSpPr>
-              <p:cNvPr id="38" name="TextBox 37">
-                <a:extLst>
-                  <a:ext uri="{FF2B5EF4-FFF2-40B4-BE49-F238E27FC236}">
-                    <a16:creationId xmlns:a16="http://schemas.microsoft.com/office/drawing/2014/main" id="{7E086031-8AB2-BDE6-4D05-A2CDE03AD9B2}"/>
-                  </a:ext>
-                </a:extLst>
-              </p:cNvPr>
-              <p:cNvSpPr txBox="1"/>
-              <p:nvPr/>
-            </p:nvSpPr>
-            <p:spPr>
-              <a:xfrm>
-                <a:off x="9160002" y="1984614"/>
-                <a:ext cx="542136" cy="230832"/>
-              </a:xfrm>
-              <a:prstGeom prst="rect">
-                <a:avLst/>
-              </a:prstGeom>
-              <a:noFill/>
-            </p:spPr>
-            <p:txBody>
-              <a:bodyPr wrap="none" rtlCol="0">
-                <a:spAutoFit/>
-              </a:bodyPr>
-              <a:lstStyle/>
-              <a:p>
-                <a:r>
-                  <a:rPr lang="en-GB" sz="900" dirty="0"/>
-                  <a:t>Bat TB1</a:t>
-                </a:r>
-              </a:p>
-            </p:txBody>
-          </p:sp>
-          <p:sp>
-            <p:nvSpPr>
-              <p:cNvPr id="39" name="TextBox 38">
-                <a:extLst>
-                  <a:ext uri="{FF2B5EF4-FFF2-40B4-BE49-F238E27FC236}">
-                    <a16:creationId xmlns:a16="http://schemas.microsoft.com/office/drawing/2014/main" id="{CEAD2CC1-58CB-B527-FCFA-6C13F5F8E9AC}"/>
-                  </a:ext>
-                </a:extLst>
-              </p:cNvPr>
-              <p:cNvSpPr txBox="1"/>
-              <p:nvPr/>
-            </p:nvSpPr>
-            <p:spPr>
-              <a:xfrm>
-                <a:off x="9160810" y="2324082"/>
-                <a:ext cx="498855" cy="230832"/>
-              </a:xfrm>
-              <a:prstGeom prst="rect">
-                <a:avLst/>
-              </a:prstGeom>
-              <a:noFill/>
-            </p:spPr>
-            <p:txBody>
-              <a:bodyPr wrap="none" rtlCol="0">
-                <a:spAutoFit/>
-              </a:bodyPr>
-              <a:lstStyle/>
-              <a:p>
-                <a:r>
-                  <a:rPr lang="en-GB" sz="900" dirty="0"/>
-                  <a:t>Bat DR</a:t>
-                </a:r>
-              </a:p>
-            </p:txBody>
-          </p:sp>
-          <p:sp>
-            <p:nvSpPr>
-              <p:cNvPr id="40" name="TextBox 39">
-                <a:extLst>
-                  <a:ext uri="{FF2B5EF4-FFF2-40B4-BE49-F238E27FC236}">
-                    <a16:creationId xmlns:a16="http://schemas.microsoft.com/office/drawing/2014/main" id="{874046C6-4ED4-7139-04D6-C6285BA77E98}"/>
-                  </a:ext>
-                </a:extLst>
-              </p:cNvPr>
-              <p:cNvSpPr txBox="1"/>
-              <p:nvPr/>
-            </p:nvSpPr>
-            <p:spPr>
-              <a:xfrm>
-                <a:off x="9157701" y="2566728"/>
-                <a:ext cx="809837" cy="230832"/>
-              </a:xfrm>
-              <a:prstGeom prst="rect">
-                <a:avLst/>
-              </a:prstGeom>
-              <a:noFill/>
-            </p:spPr>
-            <p:txBody>
-              <a:bodyPr wrap="none" rtlCol="0">
-                <a:spAutoFit/>
-              </a:bodyPr>
-              <a:lstStyle/>
-              <a:p>
-                <a:r>
-                  <a:rPr lang="en-GB" sz="900" dirty="0"/>
-                  <a:t>Cosmo AM2a</a:t>
-                </a:r>
-              </a:p>
-            </p:txBody>
-          </p:sp>
-          <p:sp>
-            <p:nvSpPr>
-              <p:cNvPr id="41" name="TextBox 40">
-                <a:extLst>
-                  <a:ext uri="{FF2B5EF4-FFF2-40B4-BE49-F238E27FC236}">
-                    <a16:creationId xmlns:a16="http://schemas.microsoft.com/office/drawing/2014/main" id="{637CAD4B-341A-ED93-6E3D-ECA4F738730E}"/>
-                  </a:ext>
-                </a:extLst>
-              </p:cNvPr>
-              <p:cNvSpPr txBox="1"/>
-              <p:nvPr/>
-            </p:nvSpPr>
-            <p:spPr>
-              <a:xfrm>
-                <a:off x="9160037" y="3313584"/>
-                <a:ext cx="769763" cy="230832"/>
-              </a:xfrm>
-              <a:prstGeom prst="rect">
-                <a:avLst/>
-              </a:prstGeom>
-              <a:noFill/>
-            </p:spPr>
-            <p:txBody>
-              <a:bodyPr wrap="none" rtlCol="0">
-                <a:spAutoFit/>
-              </a:bodyPr>
-              <a:lstStyle/>
-              <a:p>
-                <a:r>
-                  <a:rPr lang="en-GB" sz="900" dirty="0"/>
-                  <a:t>Cosmo AF1b</a:t>
-                </a:r>
-              </a:p>
-            </p:txBody>
-          </p:sp>
-          <p:sp>
-            <p:nvSpPr>
-              <p:cNvPr id="42" name="TextBox 41">
-                <a:extLst>
-                  <a:ext uri="{FF2B5EF4-FFF2-40B4-BE49-F238E27FC236}">
-                    <a16:creationId xmlns:a16="http://schemas.microsoft.com/office/drawing/2014/main" id="{A77025BD-271E-9CBD-FA73-F18490C6C4A2}"/>
-                  </a:ext>
-                </a:extLst>
-              </p:cNvPr>
-              <p:cNvSpPr txBox="1"/>
-              <p:nvPr/>
-            </p:nvSpPr>
-            <p:spPr>
-              <a:xfrm>
-                <a:off x="9166369" y="4284748"/>
-                <a:ext cx="753732" cy="230832"/>
-              </a:xfrm>
-              <a:prstGeom prst="rect">
-                <a:avLst/>
-              </a:prstGeom>
-              <a:noFill/>
-            </p:spPr>
-            <p:txBody>
-              <a:bodyPr wrap="none" rtlCol="0">
-                <a:spAutoFit/>
-              </a:bodyPr>
-              <a:lstStyle/>
-              <a:p>
-                <a:r>
-                  <a:rPr lang="en-GB" sz="900" dirty="0"/>
-                  <a:t>Asian SEA2a</a:t>
-                </a:r>
-              </a:p>
-            </p:txBody>
-          </p:sp>
-          <p:sp>
-            <p:nvSpPr>
-              <p:cNvPr id="43" name="TextBox 42">
-                <a:extLst>
-                  <a:ext uri="{FF2B5EF4-FFF2-40B4-BE49-F238E27FC236}">
-                    <a16:creationId xmlns:a16="http://schemas.microsoft.com/office/drawing/2014/main" id="{5A36E73B-1C41-DCD3-1662-EB4D79D46E70}"/>
-                  </a:ext>
-                </a:extLst>
-              </p:cNvPr>
-              <p:cNvSpPr txBox="1"/>
-              <p:nvPr/>
-            </p:nvSpPr>
-            <p:spPr>
-              <a:xfrm>
-                <a:off x="9157542" y="4993396"/>
-                <a:ext cx="753732" cy="230832"/>
-              </a:xfrm>
-              <a:prstGeom prst="rect">
-                <a:avLst/>
-              </a:prstGeom>
-              <a:noFill/>
-            </p:spPr>
-            <p:txBody>
-              <a:bodyPr wrap="none" rtlCol="0">
-                <a:spAutoFit/>
-              </a:bodyPr>
-              <a:lstStyle/>
-              <a:p>
-                <a:r>
-                  <a:rPr lang="en-GB" sz="900" dirty="0"/>
-                  <a:t>Asian SEA2a</a:t>
-                </a:r>
-              </a:p>
-            </p:txBody>
-          </p:sp>
-          <p:sp>
-            <p:nvSpPr>
-              <p:cNvPr id="44" name="TextBox 43">
-                <a:extLst>
-                  <a:ext uri="{FF2B5EF4-FFF2-40B4-BE49-F238E27FC236}">
-                    <a16:creationId xmlns:a16="http://schemas.microsoft.com/office/drawing/2014/main" id="{CB11D56D-9123-D6AF-B7C3-7F4004CB3446}"/>
-                  </a:ext>
-                </a:extLst>
-              </p:cNvPr>
-              <p:cNvSpPr txBox="1"/>
-              <p:nvPr/>
-            </p:nvSpPr>
-            <p:spPr>
-              <a:xfrm>
-                <a:off x="9156533" y="4605689"/>
-                <a:ext cx="753732" cy="230832"/>
-              </a:xfrm>
-              <a:prstGeom prst="rect">
-                <a:avLst/>
-              </a:prstGeom>
-              <a:noFill/>
-            </p:spPr>
-            <p:txBody>
-              <a:bodyPr wrap="none" rtlCol="0">
-                <a:spAutoFit/>
-              </a:bodyPr>
-              <a:lstStyle/>
-              <a:p>
-                <a:r>
-                  <a:rPr lang="en-GB" sz="900" dirty="0"/>
-                  <a:t>Asian SEA2b</a:t>
-                </a:r>
-              </a:p>
-            </p:txBody>
-          </p:sp>
-        </p:grpSp>
+            </a:ln>
+          </p:spPr>
+          <p:style>
+            <a:lnRef idx="2">
+              <a:schemeClr val="accent1">
+                <a:shade val="15000"/>
+              </a:schemeClr>
+            </a:lnRef>
+            <a:fillRef idx="1">
+              <a:schemeClr val="accent1"/>
+            </a:fillRef>
+            <a:effectRef idx="0">
+              <a:schemeClr val="accent1"/>
+            </a:effectRef>
+            <a:fontRef idx="minor">
+              <a:schemeClr val="lt1"/>
+            </a:fontRef>
+          </p:style>
+          <p:txBody>
+            <a:bodyPr rtlCol="0" anchor="ctr"/>
+            <a:lstStyle/>
+            <a:p>
+              <a:pPr algn="ctr"/>
+              <a:endParaRPr lang="en-US"/>
+            </a:p>
+          </p:txBody>
+        </p:sp>
+        <p:pic>
+          <p:nvPicPr>
+            <p:cNvPr id="26" name="Picture 25" descr="A diagram of a graph&#10;&#10;Description automatically generated with medium confidence">
+              <a:extLst>
+                <a:ext uri="{FF2B5EF4-FFF2-40B4-BE49-F238E27FC236}">
+                  <a16:creationId xmlns:a16="http://schemas.microsoft.com/office/drawing/2014/main" id="{F2C13BBD-B8BE-8C36-036E-F1F84D8CC5A7}"/>
+                </a:ext>
+              </a:extLst>
+            </p:cNvPr>
+            <p:cNvPicPr>
+              <a:picLocks noChangeAspect="1"/>
+            </p:cNvPicPr>
+            <p:nvPr/>
+          </p:nvPicPr>
+          <p:blipFill rotWithShape="1">
+            <a:blip r:embed="rId2">
+              <a:extLst>
+                <a:ext uri="{28A0092B-C50C-407E-A947-70E740481C1C}">
+                  <a14:useLocalDpi xmlns:a14="http://schemas.microsoft.com/office/drawing/2010/main" val="0"/>
+                </a:ext>
+              </a:extLst>
+            </a:blip>
+            <a:srcRect l="9721" t="14385" b="12936"/>
+            <a:stretch/>
+          </p:blipFill>
+          <p:spPr>
+            <a:xfrm>
+              <a:off x="3067409" y="987552"/>
+              <a:ext cx="6505025" cy="4983480"/>
+            </a:xfrm>
+            <a:prstGeom prst="rect">
+              <a:avLst/>
+            </a:prstGeom>
+          </p:spPr>
+        </p:pic>
         <p:cxnSp>
           <p:nvCxnSpPr>
-            <p:cNvPr id="4" name="Straight Connector 3">
+            <p:cNvPr id="13" name="Straight Connector 12">
               <a:extLst>
                 <a:ext uri="{FF2B5EF4-FFF2-40B4-BE49-F238E27FC236}">
-                  <a16:creationId xmlns:a16="http://schemas.microsoft.com/office/drawing/2014/main" id="{F3F0434E-2B6B-51BB-8586-3598146E7C42}"/>
+                  <a16:creationId xmlns:a16="http://schemas.microsoft.com/office/drawing/2014/main" id="{7002D92B-9240-13E8-2652-CFA4DE846797}"/>
                 </a:ext>
               </a:extLst>
             </p:cNvPr>
@@ -4296,13 +3476,891 @@
           </p:nvCxnSpPr>
           <p:spPr>
             <a:xfrm>
-              <a:off x="9080500" y="1288028"/>
-              <a:ext cx="0" cy="4057345"/>
+              <a:off x="9114154" y="1726989"/>
+              <a:ext cx="0" cy="150125"/>
             </a:xfrm>
             <a:prstGeom prst="line">
               <a:avLst/>
             </a:prstGeom>
-            <a:ln w="12700">
+            <a:ln w="76200">
+              <a:solidFill>
+                <a:schemeClr val="bg1">
+                  <a:lumMod val="75000"/>
+                </a:schemeClr>
+              </a:solidFill>
+            </a:ln>
+          </p:spPr>
+          <p:style>
+            <a:lnRef idx="1">
+              <a:schemeClr val="accent1"/>
+            </a:lnRef>
+            <a:fillRef idx="0">
+              <a:schemeClr val="accent1"/>
+            </a:fillRef>
+            <a:effectRef idx="0">
+              <a:schemeClr val="accent1"/>
+            </a:effectRef>
+            <a:fontRef idx="minor">
+              <a:schemeClr val="tx1"/>
+            </a:fontRef>
+          </p:style>
+        </p:cxnSp>
+        <p:cxnSp>
+          <p:nvCxnSpPr>
+            <p:cNvPr id="14" name="Straight Connector 13">
+              <a:extLst>
+                <a:ext uri="{FF2B5EF4-FFF2-40B4-BE49-F238E27FC236}">
+                  <a16:creationId xmlns:a16="http://schemas.microsoft.com/office/drawing/2014/main" id="{AEF9EE10-2010-42AC-D291-EF1BB8586092}"/>
+                </a:ext>
+              </a:extLst>
+            </p:cNvPr>
+            <p:cNvCxnSpPr>
+              <a:cxnSpLocks/>
+            </p:cNvCxnSpPr>
+            <p:nvPr/>
+          </p:nvCxnSpPr>
+          <p:spPr>
+            <a:xfrm flipH="1">
+              <a:off x="9105789" y="1260154"/>
+              <a:ext cx="638" cy="100083"/>
+            </a:xfrm>
+            <a:prstGeom prst="line">
+              <a:avLst/>
+            </a:prstGeom>
+            <a:ln w="76200">
+              <a:solidFill>
+                <a:schemeClr val="bg1">
+                  <a:lumMod val="75000"/>
+                </a:schemeClr>
+              </a:solidFill>
+            </a:ln>
+          </p:spPr>
+          <p:style>
+            <a:lnRef idx="1">
+              <a:schemeClr val="accent1"/>
+            </a:lnRef>
+            <a:fillRef idx="0">
+              <a:schemeClr val="accent1"/>
+            </a:fillRef>
+            <a:effectRef idx="0">
+              <a:schemeClr val="accent1"/>
+            </a:effectRef>
+            <a:fontRef idx="minor">
+              <a:schemeClr val="tx1"/>
+            </a:fontRef>
+          </p:style>
+        </p:cxnSp>
+        <p:cxnSp>
+          <p:nvCxnSpPr>
+            <p:cNvPr id="16" name="Straight Connector 15">
+              <a:extLst>
+                <a:ext uri="{FF2B5EF4-FFF2-40B4-BE49-F238E27FC236}">
+                  <a16:creationId xmlns:a16="http://schemas.microsoft.com/office/drawing/2014/main" id="{C5E1E39B-8E39-CA0F-86D8-70B02D672165}"/>
+                </a:ext>
+              </a:extLst>
+            </p:cNvPr>
+            <p:cNvCxnSpPr>
+              <a:cxnSpLocks/>
+            </p:cNvCxnSpPr>
+            <p:nvPr/>
+          </p:nvCxnSpPr>
+          <p:spPr>
+            <a:xfrm>
+              <a:off x="9109906" y="1360237"/>
+              <a:ext cx="0" cy="366752"/>
+            </a:xfrm>
+            <a:prstGeom prst="line">
+              <a:avLst/>
+            </a:prstGeom>
+            <a:ln w="76200">
+              <a:solidFill>
+                <a:schemeClr val="bg1">
+                  <a:lumMod val="50000"/>
+                </a:schemeClr>
+              </a:solidFill>
+            </a:ln>
+          </p:spPr>
+          <p:style>
+            <a:lnRef idx="1">
+              <a:schemeClr val="accent1"/>
+            </a:lnRef>
+            <a:fillRef idx="0">
+              <a:schemeClr val="accent1"/>
+            </a:fillRef>
+            <a:effectRef idx="0">
+              <a:schemeClr val="accent1"/>
+            </a:effectRef>
+            <a:fontRef idx="minor">
+              <a:schemeClr val="tx1"/>
+            </a:fontRef>
+          </p:style>
+        </p:cxnSp>
+        <p:cxnSp>
+          <p:nvCxnSpPr>
+            <p:cNvPr id="19" name="Straight Connector 18">
+              <a:extLst>
+                <a:ext uri="{FF2B5EF4-FFF2-40B4-BE49-F238E27FC236}">
+                  <a16:creationId xmlns:a16="http://schemas.microsoft.com/office/drawing/2014/main" id="{0755380D-B45A-E9DA-29DF-404B8C3E9E51}"/>
+                </a:ext>
+              </a:extLst>
+            </p:cNvPr>
+            <p:cNvCxnSpPr>
+              <a:cxnSpLocks/>
+            </p:cNvCxnSpPr>
+            <p:nvPr/>
+          </p:nvCxnSpPr>
+          <p:spPr>
+            <a:xfrm>
+              <a:off x="9115144" y="1876063"/>
+              <a:ext cx="0" cy="311626"/>
+            </a:xfrm>
+            <a:prstGeom prst="line">
+              <a:avLst/>
+            </a:prstGeom>
+            <a:ln w="76200">
+              <a:solidFill>
+                <a:schemeClr val="bg1">
+                  <a:lumMod val="50000"/>
+                </a:schemeClr>
+              </a:solidFill>
+            </a:ln>
+          </p:spPr>
+          <p:style>
+            <a:lnRef idx="1">
+              <a:schemeClr val="accent1"/>
+            </a:lnRef>
+            <a:fillRef idx="0">
+              <a:schemeClr val="accent1"/>
+            </a:fillRef>
+            <a:effectRef idx="0">
+              <a:schemeClr val="accent1"/>
+            </a:effectRef>
+            <a:fontRef idx="minor">
+              <a:schemeClr val="tx1"/>
+            </a:fontRef>
+          </p:style>
+        </p:cxnSp>
+        <p:cxnSp>
+          <p:nvCxnSpPr>
+            <p:cNvPr id="21" name="Straight Connector 20">
+              <a:extLst>
+                <a:ext uri="{FF2B5EF4-FFF2-40B4-BE49-F238E27FC236}">
+                  <a16:creationId xmlns:a16="http://schemas.microsoft.com/office/drawing/2014/main" id="{89BF2ECF-574C-B52F-0CD8-C767FAA6F02D}"/>
+                </a:ext>
+              </a:extLst>
+            </p:cNvPr>
+            <p:cNvCxnSpPr>
+              <a:cxnSpLocks/>
+            </p:cNvCxnSpPr>
+            <p:nvPr/>
+          </p:nvCxnSpPr>
+          <p:spPr>
+            <a:xfrm>
+              <a:off x="9115144" y="2187689"/>
+              <a:ext cx="0" cy="389338"/>
+            </a:xfrm>
+            <a:prstGeom prst="line">
+              <a:avLst/>
+            </a:prstGeom>
+            <a:ln w="76200">
+              <a:solidFill>
+                <a:schemeClr val="bg1">
+                  <a:lumMod val="75000"/>
+                </a:schemeClr>
+              </a:solidFill>
+            </a:ln>
+          </p:spPr>
+          <p:style>
+            <a:lnRef idx="1">
+              <a:schemeClr val="accent1"/>
+            </a:lnRef>
+            <a:fillRef idx="0">
+              <a:schemeClr val="accent1"/>
+            </a:fillRef>
+            <a:effectRef idx="0">
+              <a:schemeClr val="accent1"/>
+            </a:effectRef>
+            <a:fontRef idx="minor">
+              <a:schemeClr val="tx1"/>
+            </a:fontRef>
+          </p:style>
+        </p:cxnSp>
+        <p:cxnSp>
+          <p:nvCxnSpPr>
+            <p:cNvPr id="23" name="Straight Connector 22">
+              <a:extLst>
+                <a:ext uri="{FF2B5EF4-FFF2-40B4-BE49-F238E27FC236}">
+                  <a16:creationId xmlns:a16="http://schemas.microsoft.com/office/drawing/2014/main" id="{FEC6638F-0C58-448E-FFDA-5F98DA83CE88}"/>
+                </a:ext>
+              </a:extLst>
+            </p:cNvPr>
+            <p:cNvCxnSpPr>
+              <a:cxnSpLocks/>
+            </p:cNvCxnSpPr>
+            <p:nvPr/>
+          </p:nvCxnSpPr>
+          <p:spPr>
+            <a:xfrm>
+              <a:off x="9117183" y="2676090"/>
+              <a:ext cx="0" cy="100083"/>
+            </a:xfrm>
+            <a:prstGeom prst="line">
+              <a:avLst/>
+            </a:prstGeom>
+            <a:ln w="76200">
+              <a:solidFill>
+                <a:schemeClr val="bg1">
+                  <a:lumMod val="75000"/>
+                </a:schemeClr>
+              </a:solidFill>
+            </a:ln>
+          </p:spPr>
+          <p:style>
+            <a:lnRef idx="1">
+              <a:schemeClr val="accent1"/>
+            </a:lnRef>
+            <a:fillRef idx="0">
+              <a:schemeClr val="accent1"/>
+            </a:fillRef>
+            <a:effectRef idx="0">
+              <a:schemeClr val="accent1"/>
+            </a:effectRef>
+            <a:fontRef idx="minor">
+              <a:schemeClr val="tx1"/>
+            </a:fontRef>
+          </p:style>
+        </p:cxnSp>
+        <p:cxnSp>
+          <p:nvCxnSpPr>
+            <p:cNvPr id="25" name="Straight Connector 24">
+              <a:extLst>
+                <a:ext uri="{FF2B5EF4-FFF2-40B4-BE49-F238E27FC236}">
+                  <a16:creationId xmlns:a16="http://schemas.microsoft.com/office/drawing/2014/main" id="{483861B9-162C-A955-E8A8-548658EEE737}"/>
+                </a:ext>
+              </a:extLst>
+            </p:cNvPr>
+            <p:cNvCxnSpPr>
+              <a:cxnSpLocks/>
+            </p:cNvCxnSpPr>
+            <p:nvPr/>
+          </p:nvCxnSpPr>
+          <p:spPr>
+            <a:xfrm>
+              <a:off x="9117187" y="2766984"/>
+              <a:ext cx="0" cy="1588230"/>
+            </a:xfrm>
+            <a:prstGeom prst="line">
+              <a:avLst/>
+            </a:prstGeom>
+            <a:ln w="76200">
+              <a:solidFill>
+                <a:schemeClr val="bg1">
+                  <a:lumMod val="50000"/>
+                </a:schemeClr>
+              </a:solidFill>
+            </a:ln>
+          </p:spPr>
+          <p:style>
+            <a:lnRef idx="1">
+              <a:schemeClr val="accent1"/>
+            </a:lnRef>
+            <a:fillRef idx="0">
+              <a:schemeClr val="accent1"/>
+            </a:fillRef>
+            <a:effectRef idx="0">
+              <a:schemeClr val="accent1"/>
+            </a:effectRef>
+            <a:fontRef idx="minor">
+              <a:schemeClr val="tx1"/>
+            </a:fontRef>
+          </p:style>
+        </p:cxnSp>
+        <p:cxnSp>
+          <p:nvCxnSpPr>
+            <p:cNvPr id="27" name="Straight Connector 26">
+              <a:extLst>
+                <a:ext uri="{FF2B5EF4-FFF2-40B4-BE49-F238E27FC236}">
+                  <a16:creationId xmlns:a16="http://schemas.microsoft.com/office/drawing/2014/main" id="{A69C109B-F652-CA6D-A36D-4DC85E927E8F}"/>
+                </a:ext>
+              </a:extLst>
+            </p:cNvPr>
+            <p:cNvCxnSpPr>
+              <a:cxnSpLocks/>
+            </p:cNvCxnSpPr>
+            <p:nvPr/>
+          </p:nvCxnSpPr>
+          <p:spPr>
+            <a:xfrm>
+              <a:off x="9117185" y="4348864"/>
+              <a:ext cx="0" cy="272955"/>
+            </a:xfrm>
+            <a:prstGeom prst="line">
+              <a:avLst/>
+            </a:prstGeom>
+            <a:ln w="76200">
+              <a:solidFill>
+                <a:schemeClr val="bg1">
+                  <a:lumMod val="75000"/>
+                </a:schemeClr>
+              </a:solidFill>
+            </a:ln>
+          </p:spPr>
+          <p:style>
+            <a:lnRef idx="1">
+              <a:schemeClr val="accent1"/>
+            </a:lnRef>
+            <a:fillRef idx="0">
+              <a:schemeClr val="accent1"/>
+            </a:fillRef>
+            <a:effectRef idx="0">
+              <a:schemeClr val="accent1"/>
+            </a:effectRef>
+            <a:fontRef idx="minor">
+              <a:schemeClr val="tx1"/>
+            </a:fontRef>
+          </p:style>
+        </p:cxnSp>
+        <p:cxnSp>
+          <p:nvCxnSpPr>
+            <p:cNvPr id="29" name="Straight Connector 28">
+              <a:extLst>
+                <a:ext uri="{FF2B5EF4-FFF2-40B4-BE49-F238E27FC236}">
+                  <a16:creationId xmlns:a16="http://schemas.microsoft.com/office/drawing/2014/main" id="{36F9C03D-F2A1-2BB1-4A48-00FE1F7A0AE0}"/>
+                </a:ext>
+              </a:extLst>
+            </p:cNvPr>
+            <p:cNvCxnSpPr>
+              <a:cxnSpLocks/>
+            </p:cNvCxnSpPr>
+            <p:nvPr/>
+          </p:nvCxnSpPr>
+          <p:spPr>
+            <a:xfrm>
+              <a:off x="9117185" y="4611231"/>
+              <a:ext cx="0" cy="361812"/>
+            </a:xfrm>
+            <a:prstGeom prst="line">
+              <a:avLst/>
+            </a:prstGeom>
+            <a:ln w="76200">
+              <a:solidFill>
+                <a:schemeClr val="bg1">
+                  <a:lumMod val="50000"/>
+                </a:schemeClr>
+              </a:solidFill>
+            </a:ln>
+          </p:spPr>
+          <p:style>
+            <a:lnRef idx="1">
+              <a:schemeClr val="accent1"/>
+            </a:lnRef>
+            <a:fillRef idx="0">
+              <a:schemeClr val="accent1"/>
+            </a:fillRef>
+            <a:effectRef idx="0">
+              <a:schemeClr val="accent1"/>
+            </a:effectRef>
+            <a:fontRef idx="minor">
+              <a:schemeClr val="tx1"/>
+            </a:fontRef>
+          </p:style>
+        </p:cxnSp>
+        <p:cxnSp>
+          <p:nvCxnSpPr>
+            <p:cNvPr id="31" name="Straight Connector 30">
+              <a:extLst>
+                <a:ext uri="{FF2B5EF4-FFF2-40B4-BE49-F238E27FC236}">
+                  <a16:creationId xmlns:a16="http://schemas.microsoft.com/office/drawing/2014/main" id="{F6F07137-081E-D5D8-F30D-AB3A5DFD550A}"/>
+                </a:ext>
+              </a:extLst>
+            </p:cNvPr>
+            <p:cNvCxnSpPr>
+              <a:cxnSpLocks/>
+            </p:cNvCxnSpPr>
+            <p:nvPr/>
+          </p:nvCxnSpPr>
+          <p:spPr>
+            <a:xfrm>
+              <a:off x="9117116" y="4967501"/>
+              <a:ext cx="0" cy="473122"/>
+            </a:xfrm>
+            <a:prstGeom prst="line">
+              <a:avLst/>
+            </a:prstGeom>
+            <a:ln w="76200">
+              <a:solidFill>
+                <a:schemeClr val="bg1">
+                  <a:lumMod val="75000"/>
+                </a:schemeClr>
+              </a:solidFill>
+            </a:ln>
+          </p:spPr>
+          <p:style>
+            <a:lnRef idx="1">
+              <a:schemeClr val="accent1"/>
+            </a:lnRef>
+            <a:fillRef idx="0">
+              <a:schemeClr val="accent1"/>
+            </a:fillRef>
+            <a:effectRef idx="0">
+              <a:schemeClr val="accent1"/>
+            </a:effectRef>
+            <a:fontRef idx="minor">
+              <a:schemeClr val="tx1"/>
+            </a:fontRef>
+          </p:style>
+        </p:cxnSp>
+        <p:sp>
+          <p:nvSpPr>
+            <p:cNvPr id="35" name="TextBox 34">
+              <a:extLst>
+                <a:ext uri="{FF2B5EF4-FFF2-40B4-BE49-F238E27FC236}">
+                  <a16:creationId xmlns:a16="http://schemas.microsoft.com/office/drawing/2014/main" id="{78B37379-D16A-A4D0-E14F-47E4D0C0257E}"/>
+                </a:ext>
+              </a:extLst>
+            </p:cNvPr>
+            <p:cNvSpPr txBox="1"/>
+            <p:nvPr/>
+          </p:nvSpPr>
+          <p:spPr>
+            <a:xfrm>
+              <a:off x="9154595" y="1686635"/>
+              <a:ext cx="474810" cy="230832"/>
+            </a:xfrm>
+            <a:prstGeom prst="rect">
+              <a:avLst/>
+            </a:prstGeom>
+            <a:noFill/>
+          </p:spPr>
+          <p:txBody>
+            <a:bodyPr wrap="none" rtlCol="0">
+              <a:spAutoFit/>
+            </a:bodyPr>
+            <a:lstStyle/>
+            <a:p>
+              <a:r>
+                <a:rPr lang="en-GB" sz="900" dirty="0"/>
+                <a:t>Bat LC</a:t>
+              </a:r>
+            </a:p>
+          </p:txBody>
+        </p:sp>
+        <p:sp>
+          <p:nvSpPr>
+            <p:cNvPr id="36" name="TextBox 35">
+              <a:extLst>
+                <a:ext uri="{FF2B5EF4-FFF2-40B4-BE49-F238E27FC236}">
+                  <a16:creationId xmlns:a16="http://schemas.microsoft.com/office/drawing/2014/main" id="{F80D1DDD-CD58-1BE8-8631-EC62D70D27E7}"/>
+                </a:ext>
+              </a:extLst>
+            </p:cNvPr>
+            <p:cNvSpPr txBox="1"/>
+            <p:nvPr/>
+          </p:nvSpPr>
+          <p:spPr>
+            <a:xfrm>
+              <a:off x="9155229" y="1200214"/>
+              <a:ext cx="774571" cy="230832"/>
+            </a:xfrm>
+            <a:prstGeom prst="rect">
+              <a:avLst/>
+            </a:prstGeom>
+            <a:noFill/>
+          </p:spPr>
+          <p:txBody>
+            <a:bodyPr wrap="none" rtlCol="0">
+              <a:spAutoFit/>
+            </a:bodyPr>
+            <a:lstStyle/>
+            <a:p>
+              <a:r>
+                <a:rPr lang="en-GB" sz="900" dirty="0"/>
+                <a:t>RAC-SK SCSK</a:t>
+              </a:r>
+            </a:p>
+          </p:txBody>
+        </p:sp>
+        <p:sp>
+          <p:nvSpPr>
+            <p:cNvPr id="37" name="TextBox 36">
+              <a:extLst>
+                <a:ext uri="{FF2B5EF4-FFF2-40B4-BE49-F238E27FC236}">
+                  <a16:creationId xmlns:a16="http://schemas.microsoft.com/office/drawing/2014/main" id="{D13AF750-922E-DB21-7DE2-A5E8CEE5D4D1}"/>
+                </a:ext>
+              </a:extLst>
+            </p:cNvPr>
+            <p:cNvSpPr txBox="1"/>
+            <p:nvPr/>
+          </p:nvSpPr>
+          <p:spPr>
+            <a:xfrm>
+              <a:off x="9155229" y="1438758"/>
+              <a:ext cx="623889" cy="230832"/>
+            </a:xfrm>
+            <a:prstGeom prst="rect">
+              <a:avLst/>
+            </a:prstGeom>
+            <a:noFill/>
+          </p:spPr>
+          <p:txBody>
+            <a:bodyPr wrap="none" rtlCol="0">
+              <a:spAutoFit/>
+            </a:bodyPr>
+            <a:lstStyle/>
+            <a:p>
+              <a:r>
+                <a:rPr lang="en-GB" sz="900" dirty="0"/>
+                <a:t>Bat EF-E2</a:t>
+              </a:r>
+            </a:p>
+          </p:txBody>
+        </p:sp>
+        <p:sp>
+          <p:nvSpPr>
+            <p:cNvPr id="38" name="TextBox 37">
+              <a:extLst>
+                <a:ext uri="{FF2B5EF4-FFF2-40B4-BE49-F238E27FC236}">
+                  <a16:creationId xmlns:a16="http://schemas.microsoft.com/office/drawing/2014/main" id="{7E086031-8AB2-BDE6-4D05-A2CDE03AD9B2}"/>
+                </a:ext>
+              </a:extLst>
+            </p:cNvPr>
+            <p:cNvSpPr txBox="1"/>
+            <p:nvPr/>
+          </p:nvSpPr>
+          <p:spPr>
+            <a:xfrm>
+              <a:off x="9154595" y="1918000"/>
+              <a:ext cx="542136" cy="230832"/>
+            </a:xfrm>
+            <a:prstGeom prst="rect">
+              <a:avLst/>
+            </a:prstGeom>
+            <a:noFill/>
+          </p:spPr>
+          <p:txBody>
+            <a:bodyPr wrap="none" rtlCol="0">
+              <a:spAutoFit/>
+            </a:bodyPr>
+            <a:lstStyle/>
+            <a:p>
+              <a:r>
+                <a:rPr lang="en-GB" sz="900" dirty="0"/>
+                <a:t>Bat TB1</a:t>
+              </a:r>
+            </a:p>
+          </p:txBody>
+        </p:sp>
+        <p:sp>
+          <p:nvSpPr>
+            <p:cNvPr id="39" name="TextBox 38">
+              <a:extLst>
+                <a:ext uri="{FF2B5EF4-FFF2-40B4-BE49-F238E27FC236}">
+                  <a16:creationId xmlns:a16="http://schemas.microsoft.com/office/drawing/2014/main" id="{CEAD2CC1-58CB-B527-FCFA-6C13F5F8E9AC}"/>
+                </a:ext>
+              </a:extLst>
+            </p:cNvPr>
+            <p:cNvSpPr txBox="1"/>
+            <p:nvPr/>
+          </p:nvSpPr>
+          <p:spPr>
+            <a:xfrm>
+              <a:off x="9154595" y="2272324"/>
+              <a:ext cx="498855" cy="230832"/>
+            </a:xfrm>
+            <a:prstGeom prst="rect">
+              <a:avLst/>
+            </a:prstGeom>
+            <a:noFill/>
+          </p:spPr>
+          <p:txBody>
+            <a:bodyPr wrap="none" rtlCol="0">
+              <a:spAutoFit/>
+            </a:bodyPr>
+            <a:lstStyle/>
+            <a:p>
+              <a:r>
+                <a:rPr lang="en-GB" sz="900" dirty="0"/>
+                <a:t>Bat DR</a:t>
+              </a:r>
+            </a:p>
+          </p:txBody>
+        </p:sp>
+        <p:sp>
+          <p:nvSpPr>
+            <p:cNvPr id="40" name="TextBox 39">
+              <a:extLst>
+                <a:ext uri="{FF2B5EF4-FFF2-40B4-BE49-F238E27FC236}">
+                  <a16:creationId xmlns:a16="http://schemas.microsoft.com/office/drawing/2014/main" id="{874046C6-4ED4-7139-04D6-C6285BA77E98}"/>
+                </a:ext>
+              </a:extLst>
+            </p:cNvPr>
+            <p:cNvSpPr txBox="1"/>
+            <p:nvPr/>
+          </p:nvSpPr>
+          <p:spPr>
+            <a:xfrm>
+              <a:off x="9152024" y="2628940"/>
+              <a:ext cx="809837" cy="230832"/>
+            </a:xfrm>
+            <a:prstGeom prst="rect">
+              <a:avLst/>
+            </a:prstGeom>
+            <a:noFill/>
+          </p:spPr>
+          <p:txBody>
+            <a:bodyPr wrap="none" rtlCol="0">
+              <a:spAutoFit/>
+            </a:bodyPr>
+            <a:lstStyle/>
+            <a:p>
+              <a:r>
+                <a:rPr lang="en-GB" sz="900" dirty="0"/>
+                <a:t>Cosmo AM2a</a:t>
+              </a:r>
+            </a:p>
+          </p:txBody>
+        </p:sp>
+        <p:sp>
+          <p:nvSpPr>
+            <p:cNvPr id="41" name="TextBox 40">
+              <a:extLst>
+                <a:ext uri="{FF2B5EF4-FFF2-40B4-BE49-F238E27FC236}">
+                  <a16:creationId xmlns:a16="http://schemas.microsoft.com/office/drawing/2014/main" id="{637CAD4B-341A-ED93-6E3D-ECA4F738730E}"/>
+                </a:ext>
+              </a:extLst>
+            </p:cNvPr>
+            <p:cNvSpPr txBox="1"/>
+            <p:nvPr/>
+          </p:nvSpPr>
+          <p:spPr>
+            <a:xfrm>
+              <a:off x="9150338" y="3317457"/>
+              <a:ext cx="769763" cy="230832"/>
+            </a:xfrm>
+            <a:prstGeom prst="rect">
+              <a:avLst/>
+            </a:prstGeom>
+            <a:noFill/>
+          </p:spPr>
+          <p:txBody>
+            <a:bodyPr wrap="none" rtlCol="0">
+              <a:spAutoFit/>
+            </a:bodyPr>
+            <a:lstStyle/>
+            <a:p>
+              <a:r>
+                <a:rPr lang="en-GB" sz="900" dirty="0"/>
+                <a:t>Cosmo AF1b</a:t>
+              </a:r>
+            </a:p>
+          </p:txBody>
+        </p:sp>
+        <p:sp>
+          <p:nvSpPr>
+            <p:cNvPr id="42" name="TextBox 41">
+              <a:extLst>
+                <a:ext uri="{FF2B5EF4-FFF2-40B4-BE49-F238E27FC236}">
+                  <a16:creationId xmlns:a16="http://schemas.microsoft.com/office/drawing/2014/main" id="{A77025BD-271E-9CBD-FA73-F18490C6C4A2}"/>
+                </a:ext>
+              </a:extLst>
+            </p:cNvPr>
+            <p:cNvSpPr txBox="1"/>
+            <p:nvPr/>
+          </p:nvSpPr>
+          <p:spPr>
+            <a:xfrm>
+              <a:off x="9148956" y="4368308"/>
+              <a:ext cx="753732" cy="230832"/>
+            </a:xfrm>
+            <a:prstGeom prst="rect">
+              <a:avLst/>
+            </a:prstGeom>
+            <a:noFill/>
+          </p:spPr>
+          <p:txBody>
+            <a:bodyPr wrap="none" rtlCol="0">
+              <a:spAutoFit/>
+            </a:bodyPr>
+            <a:lstStyle/>
+            <a:p>
+              <a:r>
+                <a:rPr lang="en-GB" sz="900" dirty="0"/>
+                <a:t>Asian SEA2a</a:t>
+              </a:r>
+            </a:p>
+          </p:txBody>
+        </p:sp>
+        <p:sp>
+          <p:nvSpPr>
+            <p:cNvPr id="43" name="TextBox 42">
+              <a:extLst>
+                <a:ext uri="{FF2B5EF4-FFF2-40B4-BE49-F238E27FC236}">
+                  <a16:creationId xmlns:a16="http://schemas.microsoft.com/office/drawing/2014/main" id="{5A36E73B-1C41-DCD3-1662-EB4D79D46E70}"/>
+                </a:ext>
+              </a:extLst>
+            </p:cNvPr>
+            <p:cNvSpPr txBox="1"/>
+            <p:nvPr/>
+          </p:nvSpPr>
+          <p:spPr>
+            <a:xfrm>
+              <a:off x="9148956" y="5092839"/>
+              <a:ext cx="753732" cy="230832"/>
+            </a:xfrm>
+            <a:prstGeom prst="rect">
+              <a:avLst/>
+            </a:prstGeom>
+            <a:noFill/>
+          </p:spPr>
+          <p:txBody>
+            <a:bodyPr wrap="none" rtlCol="0">
+              <a:spAutoFit/>
+            </a:bodyPr>
+            <a:lstStyle/>
+            <a:p>
+              <a:r>
+                <a:rPr lang="en-GB" sz="900" dirty="0"/>
+                <a:t>Asian SEA2a</a:t>
+              </a:r>
+            </a:p>
+          </p:txBody>
+        </p:sp>
+        <p:sp>
+          <p:nvSpPr>
+            <p:cNvPr id="44" name="TextBox 43">
+              <a:extLst>
+                <a:ext uri="{FF2B5EF4-FFF2-40B4-BE49-F238E27FC236}">
+                  <a16:creationId xmlns:a16="http://schemas.microsoft.com/office/drawing/2014/main" id="{CB11D56D-9123-D6AF-B7C3-7F4004CB3446}"/>
+                </a:ext>
+              </a:extLst>
+            </p:cNvPr>
+            <p:cNvSpPr txBox="1"/>
+            <p:nvPr/>
+          </p:nvSpPr>
+          <p:spPr>
+            <a:xfrm>
+              <a:off x="9148956" y="4676721"/>
+              <a:ext cx="753732" cy="230832"/>
+            </a:xfrm>
+            <a:prstGeom prst="rect">
+              <a:avLst/>
+            </a:prstGeom>
+            <a:noFill/>
+          </p:spPr>
+          <p:txBody>
+            <a:bodyPr wrap="none" rtlCol="0">
+              <a:spAutoFit/>
+            </a:bodyPr>
+            <a:lstStyle/>
+            <a:p>
+              <a:r>
+                <a:rPr lang="en-GB" sz="900" dirty="0"/>
+                <a:t>Asian SEA2b</a:t>
+              </a:r>
+            </a:p>
+          </p:txBody>
+        </p:sp>
+        <p:cxnSp>
+          <p:nvCxnSpPr>
+            <p:cNvPr id="15" name="Straight Connector 14">
+              <a:extLst>
+                <a:ext uri="{FF2B5EF4-FFF2-40B4-BE49-F238E27FC236}">
+                  <a16:creationId xmlns:a16="http://schemas.microsoft.com/office/drawing/2014/main" id="{223C206A-6FF7-A4B6-2A37-33EBC1E5360B}"/>
+                </a:ext>
+              </a:extLst>
+            </p:cNvPr>
+            <p:cNvCxnSpPr>
+              <a:cxnSpLocks/>
+            </p:cNvCxnSpPr>
+            <p:nvPr/>
+          </p:nvCxnSpPr>
+          <p:spPr>
+            <a:xfrm>
+              <a:off x="9117183" y="2580840"/>
+              <a:ext cx="0" cy="100083"/>
+            </a:xfrm>
+            <a:prstGeom prst="line">
+              <a:avLst/>
+            </a:prstGeom>
+            <a:ln w="76200">
+              <a:solidFill>
+                <a:schemeClr val="bg1">
+                  <a:lumMod val="50000"/>
+                </a:schemeClr>
+              </a:solidFill>
+            </a:ln>
+          </p:spPr>
+          <p:style>
+            <a:lnRef idx="1">
+              <a:schemeClr val="accent1"/>
+            </a:lnRef>
+            <a:fillRef idx="0">
+              <a:schemeClr val="accent1"/>
+            </a:fillRef>
+            <a:effectRef idx="0">
+              <a:schemeClr val="accent1"/>
+            </a:effectRef>
+            <a:fontRef idx="minor">
+              <a:schemeClr val="tx1"/>
+            </a:fontRef>
+          </p:style>
+        </p:cxnSp>
+        <p:sp>
+          <p:nvSpPr>
+            <p:cNvPr id="32" name="TextBox 31">
+              <a:extLst>
+                <a:ext uri="{FF2B5EF4-FFF2-40B4-BE49-F238E27FC236}">
+                  <a16:creationId xmlns:a16="http://schemas.microsoft.com/office/drawing/2014/main" id="{0A4618B8-5ACD-20ED-3BFB-10A4A1A6B087}"/>
+                </a:ext>
+              </a:extLst>
+            </p:cNvPr>
+            <p:cNvSpPr txBox="1"/>
+            <p:nvPr/>
+          </p:nvSpPr>
+          <p:spPr>
+            <a:xfrm>
+              <a:off x="9148956" y="2519888"/>
+              <a:ext cx="546945" cy="230832"/>
+            </a:xfrm>
+            <a:prstGeom prst="rect">
+              <a:avLst/>
+            </a:prstGeom>
+            <a:noFill/>
+          </p:spPr>
+          <p:txBody>
+            <a:bodyPr wrap="none" rtlCol="0">
+              <a:spAutoFit/>
+            </a:bodyPr>
+            <a:lstStyle/>
+            <a:p>
+              <a:r>
+                <a:rPr lang="en-GB" sz="900" dirty="0"/>
+                <a:t>Arctic A</a:t>
+              </a:r>
+            </a:p>
+          </p:txBody>
+        </p:sp>
+        <p:cxnSp>
+          <p:nvCxnSpPr>
+            <p:cNvPr id="34" name="Straight Connector 33">
+              <a:extLst>
+                <a:ext uri="{FF2B5EF4-FFF2-40B4-BE49-F238E27FC236}">
+                  <a16:creationId xmlns:a16="http://schemas.microsoft.com/office/drawing/2014/main" id="{66EABFD4-144C-EC69-3B85-EC95128D2A88}"/>
+                </a:ext>
+              </a:extLst>
+            </p:cNvPr>
+            <p:cNvCxnSpPr/>
+            <p:nvPr/>
+          </p:nvCxnSpPr>
+          <p:spPr>
+            <a:xfrm>
+              <a:off x="9153144" y="987552"/>
+              <a:ext cx="0" cy="4553712"/>
+            </a:xfrm>
+            <a:prstGeom prst="line">
+              <a:avLst/>
+            </a:prstGeom>
+            <a:ln w="19050">
               <a:solidFill>
                 <a:schemeClr val="bg1"/>
               </a:solidFill>
@@ -4325,10 +4383,10 @@
         </p:cxnSp>
         <p:cxnSp>
           <p:nvCxnSpPr>
-            <p:cNvPr id="5" name="Straight Connector 4">
+            <p:cNvPr id="45" name="Straight Connector 44">
               <a:extLst>
                 <a:ext uri="{FF2B5EF4-FFF2-40B4-BE49-F238E27FC236}">
-                  <a16:creationId xmlns:a16="http://schemas.microsoft.com/office/drawing/2014/main" id="{7EEB310C-1A7A-884B-3A6D-29CDF2428E02}"/>
+                  <a16:creationId xmlns:a16="http://schemas.microsoft.com/office/drawing/2014/main" id="{122B18CC-C7CE-709C-F8F1-158D03DF7F49}"/>
                 </a:ext>
               </a:extLst>
             </p:cNvPr>
@@ -4337,13 +4395,13 @@
           </p:nvCxnSpPr>
           <p:spPr>
             <a:xfrm>
-              <a:off x="9163050" y="1300728"/>
-              <a:ext cx="0" cy="4057345"/>
+              <a:off x="9076944" y="1094232"/>
+              <a:ext cx="0" cy="4553712"/>
             </a:xfrm>
             <a:prstGeom prst="line">
               <a:avLst/>
             </a:prstGeom>
-            <a:ln w="12700">
+            <a:ln w="28575">
               <a:solidFill>
                 <a:schemeClr val="bg1"/>
               </a:solidFill>

--- a/plots/annotations.pptx
+++ b/plots/annotations.pptx
@@ -261,7 +261,7 @@
           <a:p>
             <a:fld id="{AC60FCA8-C76D-4BFA-94B6-306151FF55CE}" type="datetimeFigureOut">
               <a:rPr lang="en-GB" smtClean="0"/>
-              <a:t>29/03/2024</a:t>
+              <a:t>30/04/2024</a:t>
             </a:fld>
             <a:endParaRPr lang="en-GB"/>
           </a:p>
@@ -461,7 +461,7 @@
           <a:p>
             <a:fld id="{AC60FCA8-C76D-4BFA-94B6-306151FF55CE}" type="datetimeFigureOut">
               <a:rPr lang="en-GB" smtClean="0"/>
-              <a:t>29/03/2024</a:t>
+              <a:t>30/04/2024</a:t>
             </a:fld>
             <a:endParaRPr lang="en-GB"/>
           </a:p>
@@ -671,7 +671,7 @@
           <a:p>
             <a:fld id="{AC60FCA8-C76D-4BFA-94B6-306151FF55CE}" type="datetimeFigureOut">
               <a:rPr lang="en-GB" smtClean="0"/>
-              <a:t>29/03/2024</a:t>
+              <a:t>30/04/2024</a:t>
             </a:fld>
             <a:endParaRPr lang="en-GB"/>
           </a:p>
@@ -871,7 +871,7 @@
           <a:p>
             <a:fld id="{AC60FCA8-C76D-4BFA-94B6-306151FF55CE}" type="datetimeFigureOut">
               <a:rPr lang="en-GB" smtClean="0"/>
-              <a:t>29/03/2024</a:t>
+              <a:t>30/04/2024</a:t>
             </a:fld>
             <a:endParaRPr lang="en-GB"/>
           </a:p>
@@ -1147,7 +1147,7 @@
           <a:p>
             <a:fld id="{AC60FCA8-C76D-4BFA-94B6-306151FF55CE}" type="datetimeFigureOut">
               <a:rPr lang="en-GB" smtClean="0"/>
-              <a:t>29/03/2024</a:t>
+              <a:t>30/04/2024</a:t>
             </a:fld>
             <a:endParaRPr lang="en-GB"/>
           </a:p>
@@ -1415,7 +1415,7 @@
           <a:p>
             <a:fld id="{AC60FCA8-C76D-4BFA-94B6-306151FF55CE}" type="datetimeFigureOut">
               <a:rPr lang="en-GB" smtClean="0"/>
-              <a:t>29/03/2024</a:t>
+              <a:t>30/04/2024</a:t>
             </a:fld>
             <a:endParaRPr lang="en-GB"/>
           </a:p>
@@ -1830,7 +1830,7 @@
           <a:p>
             <a:fld id="{AC60FCA8-C76D-4BFA-94B6-306151FF55CE}" type="datetimeFigureOut">
               <a:rPr lang="en-GB" smtClean="0"/>
-              <a:t>29/03/2024</a:t>
+              <a:t>30/04/2024</a:t>
             </a:fld>
             <a:endParaRPr lang="en-GB"/>
           </a:p>
@@ -1972,7 +1972,7 @@
           <a:p>
             <a:fld id="{AC60FCA8-C76D-4BFA-94B6-306151FF55CE}" type="datetimeFigureOut">
               <a:rPr lang="en-GB" smtClean="0"/>
-              <a:t>29/03/2024</a:t>
+              <a:t>30/04/2024</a:t>
             </a:fld>
             <a:endParaRPr lang="en-GB"/>
           </a:p>
@@ -2085,7 +2085,7 @@
           <a:p>
             <a:fld id="{AC60FCA8-C76D-4BFA-94B6-306151FF55CE}" type="datetimeFigureOut">
               <a:rPr lang="en-GB" smtClean="0"/>
-              <a:t>29/03/2024</a:t>
+              <a:t>30/04/2024</a:t>
             </a:fld>
             <a:endParaRPr lang="en-GB"/>
           </a:p>
@@ -2398,7 +2398,7 @@
           <a:p>
             <a:fld id="{AC60FCA8-C76D-4BFA-94B6-306151FF55CE}" type="datetimeFigureOut">
               <a:rPr lang="en-GB" smtClean="0"/>
-              <a:t>29/03/2024</a:t>
+              <a:t>30/04/2024</a:t>
             </a:fld>
             <a:endParaRPr lang="en-GB"/>
           </a:p>
@@ -2687,7 +2687,7 @@
           <a:p>
             <a:fld id="{AC60FCA8-C76D-4BFA-94B6-306151FF55CE}" type="datetimeFigureOut">
               <a:rPr lang="en-GB" smtClean="0"/>
-              <a:t>29/03/2024</a:t>
+              <a:t>30/04/2024</a:t>
             </a:fld>
             <a:endParaRPr lang="en-GB"/>
           </a:p>
@@ -2930,7 +2930,7 @@
           <a:p>
             <a:fld id="{AC60FCA8-C76D-4BFA-94B6-306151FF55CE}" type="datetimeFigureOut">
               <a:rPr lang="en-GB" smtClean="0"/>
-              <a:t>29/03/2024</a:t>
+              <a:t>30/04/2024</a:t>
             </a:fld>
             <a:endParaRPr lang="en-GB"/>
           </a:p>
@@ -3355,10 +3355,10 @@
       </p:grpSpPr>
       <p:grpSp>
         <p:nvGrpSpPr>
-          <p:cNvPr id="47" name="Group 46">
-            <a:extLst>
-              <a:ext uri="{FF2B5EF4-FFF2-40B4-BE49-F238E27FC236}">
-                <a16:creationId xmlns:a16="http://schemas.microsoft.com/office/drawing/2014/main" id="{73E893B9-DBA0-CA8C-9E2C-837AE54B60BE}"/>
+          <p:cNvPr id="10" name="Group 9">
+            <a:extLst>
+              <a:ext uri="{FF2B5EF4-FFF2-40B4-BE49-F238E27FC236}">
+                <a16:creationId xmlns:a16="http://schemas.microsoft.com/office/drawing/2014/main" id="{C406DBCC-BF57-895E-CC76-C749C9D5841C}"/>
               </a:ext>
             </a:extLst>
           </p:cNvPr>
@@ -3367,10 +3367,10 @@
         </p:nvGrpSpPr>
         <p:grpSpPr>
           <a:xfrm>
-            <a:off x="2999232" y="905256"/>
-            <a:ext cx="7187184" cy="5193792"/>
-            <a:chOff x="2999232" y="905256"/>
-            <a:chExt cx="7187184" cy="5193792"/>
+            <a:off x="1805301" y="654627"/>
+            <a:ext cx="8375904" cy="5465203"/>
+            <a:chOff x="1805301" y="654627"/>
+            <a:chExt cx="8375904" cy="5465203"/>
           </a:xfrm>
         </p:grpSpPr>
         <p:sp>
@@ -3387,8 +3387,8 @@
           </p:nvSpPr>
           <p:spPr>
             <a:xfrm>
-              <a:off x="2999232" y="905256"/>
-              <a:ext cx="7187184" cy="5193792"/>
+              <a:off x="1805301" y="654627"/>
+              <a:ext cx="8343373" cy="5465202"/>
             </a:xfrm>
             <a:prstGeom prst="rect">
               <a:avLst/>
@@ -3423,13 +3423,13 @@
             <a:lstStyle/>
             <a:p>
               <a:pPr algn="ctr"/>
-              <a:endParaRPr lang="en-US"/>
+              <a:endParaRPr lang="en-US" dirty="0"/>
             </a:p>
           </p:txBody>
         </p:sp>
         <p:pic>
           <p:nvPicPr>
-            <p:cNvPr id="26" name="Picture 25" descr="A diagram of a graph&#10;&#10;Description automatically generated with medium confidence">
+            <p:cNvPr id="26" name="Picture 25">
               <a:extLst>
                 <a:ext uri="{FF2B5EF4-FFF2-40B4-BE49-F238E27FC236}">
                   <a16:creationId xmlns:a16="http://schemas.microsoft.com/office/drawing/2014/main" id="{F2C13BBD-B8BE-8C36-036E-F1F84D8CC5A7}"/>
@@ -3449,13 +3449,13 @@
                 </a:ext>
               </a:extLst>
             </a:blip>
-            <a:srcRect l="9721" t="14385" b="12936"/>
+            <a:srcRect l="10631" t="13346" b="13625"/>
             <a:stretch/>
           </p:blipFill>
           <p:spPr>
             <a:xfrm>
-              <a:off x="3067409" y="987552"/>
-              <a:ext cx="6505025" cy="4983480"/>
+              <a:off x="1805301" y="654628"/>
+              <a:ext cx="8375904" cy="5465202"/>
             </a:xfrm>
             <a:prstGeom prst="rect">
               <a:avLst/>
@@ -3471,13 +3471,15 @@
                 </a:ext>
               </a:extLst>
             </p:cNvPr>
-            <p:cNvCxnSpPr/>
+            <p:cNvCxnSpPr>
+              <a:cxnSpLocks/>
+            </p:cNvCxnSpPr>
             <p:nvPr/>
           </p:nvCxnSpPr>
           <p:spPr>
             <a:xfrm>
-              <a:off x="9114154" y="1726989"/>
-              <a:ext cx="0" cy="150125"/>
+              <a:off x="9300967" y="1598417"/>
+              <a:ext cx="0" cy="207104"/>
             </a:xfrm>
             <a:prstGeom prst="line">
               <a:avLst/>
@@ -3521,7 +3523,7 @@
           </p:nvCxnSpPr>
           <p:spPr>
             <a:xfrm flipH="1">
-              <a:off x="9105789" y="1260154"/>
+              <a:off x="9298144" y="1187002"/>
               <a:ext cx="638" cy="100083"/>
             </a:xfrm>
             <a:prstGeom prst="line">
@@ -3566,7 +3568,7 @@
           </p:nvCxnSpPr>
           <p:spPr>
             <a:xfrm>
-              <a:off x="9109906" y="1360237"/>
+              <a:off x="9296719" y="1281543"/>
               <a:ext cx="0" cy="366752"/>
             </a:xfrm>
             <a:prstGeom prst="line">
@@ -3611,7 +3613,7 @@
           </p:nvCxnSpPr>
           <p:spPr>
             <a:xfrm>
-              <a:off x="9115144" y="1876063"/>
+              <a:off x="9300967" y="1786285"/>
               <a:ext cx="0" cy="311626"/>
             </a:xfrm>
             <a:prstGeom prst="line">
@@ -3655,9 +3657,9 @@
             <p:nvPr/>
           </p:nvCxnSpPr>
           <p:spPr>
-            <a:xfrm>
-              <a:off x="9115144" y="2187689"/>
-              <a:ext cx="0" cy="389338"/>
+            <a:xfrm flipH="1">
+              <a:off x="9300967" y="2097911"/>
+              <a:ext cx="990" cy="366752"/>
             </a:xfrm>
             <a:prstGeom prst="line">
               <a:avLst/>
@@ -3701,7 +3703,7 @@
           </p:nvCxnSpPr>
           <p:spPr>
             <a:xfrm>
-              <a:off x="9117183" y="2676090"/>
+              <a:off x="9300967" y="2638774"/>
               <a:ext cx="0" cy="100083"/>
             </a:xfrm>
             <a:prstGeom prst="line">
@@ -3746,7 +3748,7 @@
           </p:nvCxnSpPr>
           <p:spPr>
             <a:xfrm>
-              <a:off x="9117187" y="2766984"/>
+              <a:off x="9304000" y="2732626"/>
               <a:ext cx="0" cy="1588230"/>
             </a:xfrm>
             <a:prstGeom prst="line">
@@ -3791,7 +3793,7 @@
           </p:nvCxnSpPr>
           <p:spPr>
             <a:xfrm>
-              <a:off x="9117185" y="4348864"/>
+              <a:off x="9303998" y="4292338"/>
               <a:ext cx="0" cy="272955"/>
             </a:xfrm>
             <a:prstGeom prst="line">
@@ -3836,7 +3838,7 @@
           </p:nvCxnSpPr>
           <p:spPr>
             <a:xfrm>
-              <a:off x="9117185" y="4611231"/>
+              <a:off x="9303998" y="4549163"/>
               <a:ext cx="0" cy="361812"/>
             </a:xfrm>
             <a:prstGeom prst="line">
@@ -3881,7 +3883,7 @@
           </p:nvCxnSpPr>
           <p:spPr>
             <a:xfrm>
-              <a:off x="9117116" y="4967501"/>
+              <a:off x="9303929" y="4894349"/>
               <a:ext cx="0" cy="473122"/>
             </a:xfrm>
             <a:prstGeom prst="line">
@@ -3924,7 +3926,7 @@
           </p:nvSpPr>
           <p:spPr>
             <a:xfrm>
-              <a:off x="9154595" y="1686635"/>
+              <a:off x="9341408" y="1613483"/>
               <a:ext cx="474810" cy="230832"/>
             </a:xfrm>
             <a:prstGeom prst="rect">
@@ -3959,7 +3961,7 @@
           </p:nvSpPr>
           <p:spPr>
             <a:xfrm>
-              <a:off x="9155229" y="1200214"/>
+              <a:off x="9342042" y="1127062"/>
               <a:ext cx="774571" cy="230832"/>
             </a:xfrm>
             <a:prstGeom prst="rect">
@@ -3994,7 +3996,7 @@
           </p:nvSpPr>
           <p:spPr>
             <a:xfrm>
-              <a:off x="9155229" y="1438758"/>
+              <a:off x="9342042" y="1365606"/>
               <a:ext cx="623889" cy="230832"/>
             </a:xfrm>
             <a:prstGeom prst="rect">
@@ -4029,7 +4031,7 @@
           </p:nvSpPr>
           <p:spPr>
             <a:xfrm>
-              <a:off x="9154595" y="1918000"/>
+              <a:off x="9341408" y="1844848"/>
               <a:ext cx="542136" cy="230832"/>
             </a:xfrm>
             <a:prstGeom prst="rect">
@@ -4064,7 +4066,7 @@
           </p:nvSpPr>
           <p:spPr>
             <a:xfrm>
-              <a:off x="9154595" y="2272324"/>
+              <a:off x="9341408" y="2199172"/>
               <a:ext cx="498855" cy="230832"/>
             </a:xfrm>
             <a:prstGeom prst="rect">
@@ -4099,7 +4101,7 @@
           </p:nvSpPr>
           <p:spPr>
             <a:xfrm>
-              <a:off x="9152024" y="2628940"/>
+              <a:off x="9338837" y="2555788"/>
               <a:ext cx="809837" cy="230832"/>
             </a:xfrm>
             <a:prstGeom prst="rect">
@@ -4134,7 +4136,7 @@
           </p:nvSpPr>
           <p:spPr>
             <a:xfrm>
-              <a:off x="9150338" y="3317457"/>
+              <a:off x="9337151" y="3244305"/>
               <a:ext cx="769763" cy="230832"/>
             </a:xfrm>
             <a:prstGeom prst="rect">
@@ -4169,7 +4171,7 @@
           </p:nvSpPr>
           <p:spPr>
             <a:xfrm>
-              <a:off x="9148956" y="4368308"/>
+              <a:off x="9335769" y="4295156"/>
               <a:ext cx="753732" cy="230832"/>
             </a:xfrm>
             <a:prstGeom prst="rect">
@@ -4204,7 +4206,7 @@
           </p:nvSpPr>
           <p:spPr>
             <a:xfrm>
-              <a:off x="9148956" y="5092839"/>
+              <a:off x="9335769" y="5019687"/>
               <a:ext cx="753732" cy="230832"/>
             </a:xfrm>
             <a:prstGeom prst="rect">
@@ -4239,7 +4241,7 @@
           </p:nvSpPr>
           <p:spPr>
             <a:xfrm>
-              <a:off x="9148956" y="4676721"/>
+              <a:off x="9335769" y="4603569"/>
               <a:ext cx="753732" cy="230832"/>
             </a:xfrm>
             <a:prstGeom prst="rect">
@@ -4276,8 +4278,8 @@
           </p:nvCxnSpPr>
           <p:spPr>
             <a:xfrm>
-              <a:off x="9117183" y="2580840"/>
-              <a:ext cx="0" cy="100083"/>
+              <a:off x="9300967" y="2425869"/>
+              <a:ext cx="0" cy="212905"/>
             </a:xfrm>
             <a:prstGeom prst="line">
               <a:avLst/>
@@ -4319,7 +4321,7 @@
           </p:nvSpPr>
           <p:spPr>
             <a:xfrm>
-              <a:off x="9148956" y="2519888"/>
+              <a:off x="9335769" y="2446736"/>
               <a:ext cx="546945" cy="230832"/>
             </a:xfrm>
             <a:prstGeom prst="rect">
@@ -4342,10 +4344,10 @@
         </p:sp>
         <p:cxnSp>
           <p:nvCxnSpPr>
-            <p:cNvPr id="34" name="Straight Connector 33">
+            <p:cNvPr id="8" name="Straight Connector 7">
               <a:extLst>
                 <a:ext uri="{FF2B5EF4-FFF2-40B4-BE49-F238E27FC236}">
-                  <a16:creationId xmlns:a16="http://schemas.microsoft.com/office/drawing/2014/main" id="{66EABFD4-144C-EC69-3B85-EC95128D2A88}"/>
+                  <a16:creationId xmlns:a16="http://schemas.microsoft.com/office/drawing/2014/main" id="{C166550B-8D84-3DDA-0878-4A284E5E54E6}"/>
                 </a:ext>
               </a:extLst>
             </p:cNvPr>
@@ -4354,13 +4356,13 @@
           </p:nvCxnSpPr>
           <p:spPr>
             <a:xfrm>
-              <a:off x="9153144" y="987552"/>
-              <a:ext cx="0" cy="4553712"/>
+              <a:off x="9263356" y="1127062"/>
+              <a:ext cx="0" cy="4376127"/>
             </a:xfrm>
             <a:prstGeom prst="line">
               <a:avLst/>
             </a:prstGeom>
-            <a:ln w="19050">
+            <a:ln w="12700">
               <a:solidFill>
                 <a:schemeClr val="bg1"/>
               </a:solidFill>
@@ -4383,10 +4385,10 @@
         </p:cxnSp>
         <p:cxnSp>
           <p:nvCxnSpPr>
-            <p:cNvPr id="45" name="Straight Connector 44">
+            <p:cNvPr id="9" name="Straight Connector 8">
               <a:extLst>
                 <a:ext uri="{FF2B5EF4-FFF2-40B4-BE49-F238E27FC236}">
-                  <a16:creationId xmlns:a16="http://schemas.microsoft.com/office/drawing/2014/main" id="{122B18CC-C7CE-709C-F8F1-158D03DF7F49}"/>
+                  <a16:creationId xmlns:a16="http://schemas.microsoft.com/office/drawing/2014/main" id="{5A53727E-5A81-0F85-D874-9E63C7FC47BE}"/>
                 </a:ext>
               </a:extLst>
             </p:cNvPr>
@@ -4395,13 +4397,13 @@
           </p:nvCxnSpPr>
           <p:spPr>
             <a:xfrm>
-              <a:off x="9076944" y="1094232"/>
-              <a:ext cx="0" cy="4553712"/>
+              <a:off x="9333311" y="1137057"/>
+              <a:ext cx="0" cy="4376127"/>
             </a:xfrm>
             <a:prstGeom prst="line">
               <a:avLst/>
             </a:prstGeom>
-            <a:ln w="28575">
+            <a:ln w="12700">
               <a:solidFill>
                 <a:schemeClr val="bg1"/>
               </a:solidFill>
